--- a/ppt 16-9/0354.世间有不尽的.pptx
+++ b/ppt 16-9/0354.世间有不尽的.pptx
@@ -5,7 +5,7 @@
     <p:sldMasterId id="2147483648" r:id="rId1"/>
   </p:sldMasterIdLst>
   <p:sldIdLst>
-    <p:sldId id="3259" r:id="rId2"/>
+    <p:sldId id="3261" r:id="rId2"/>
   </p:sldIdLst>
   <p:sldSz cx="12192000" cy="6858000"/>
   <p:notesSz cx="6858000" cy="9144000"/>
@@ -129,7 +129,7 @@
           <p:cNvPr id="2" name="标题 1">
             <a:extLst>
               <a:ext uri="{FF2B5EF4-FFF2-40B4-BE49-F238E27FC236}">
-                <a16:creationId xmlns:a16="http://schemas.microsoft.com/office/drawing/2014/main" id="{D9EA8A80-5E9A-C6E5-775F-23472EA9C455}"/>
+                <a16:creationId xmlns:a16="http://schemas.microsoft.com/office/drawing/2014/main" id="{639DB0ED-F9B3-9ED7-EB2D-C07328DF8690}"/>
               </a:ext>
             </a:extLst>
           </p:cNvPr>
@@ -166,7 +166,7 @@
           <p:cNvPr id="3" name="副标题 2">
             <a:extLst>
               <a:ext uri="{FF2B5EF4-FFF2-40B4-BE49-F238E27FC236}">
-                <a16:creationId xmlns:a16="http://schemas.microsoft.com/office/drawing/2014/main" id="{D25363CD-6780-9C2A-C2EA-4B354405B627}"/>
+                <a16:creationId xmlns:a16="http://schemas.microsoft.com/office/drawing/2014/main" id="{8A44B3E6-4F9C-E794-3066-082F40B0B8F6}"/>
               </a:ext>
             </a:extLst>
           </p:cNvPr>
@@ -236,7 +236,7 @@
           <p:cNvPr id="4" name="日期占位符 3">
             <a:extLst>
               <a:ext uri="{FF2B5EF4-FFF2-40B4-BE49-F238E27FC236}">
-                <a16:creationId xmlns:a16="http://schemas.microsoft.com/office/drawing/2014/main" id="{EDA8DAC1-C72D-1603-C94B-E94BCF11449E}"/>
+                <a16:creationId xmlns:a16="http://schemas.microsoft.com/office/drawing/2014/main" id="{6B0FA584-C3BC-9452-B736-93D727E4F6E6}"/>
               </a:ext>
             </a:extLst>
           </p:cNvPr>
@@ -252,7 +252,7 @@
           <a:bodyPr/>
           <a:lstStyle/>
           <a:p>
-            <a:fld id="{DE81220B-BE05-46C1-BA6F-AC8D3C7557D2}" type="datetimeFigureOut">
+            <a:fld id="{4C967C12-F262-4771-B101-E73A2D278C4D}" type="datetimeFigureOut">
               <a:rPr lang="zh-CN" altLang="en-US" smtClean="0"/>
               <a:t>2024/3/10</a:t>
             </a:fld>
@@ -265,7 +265,7 @@
           <p:cNvPr id="5" name="页脚占位符 4">
             <a:extLst>
               <a:ext uri="{FF2B5EF4-FFF2-40B4-BE49-F238E27FC236}">
-                <a16:creationId xmlns:a16="http://schemas.microsoft.com/office/drawing/2014/main" id="{6AC307A5-2DD4-90D4-C5B2-50263F059DD1}"/>
+                <a16:creationId xmlns:a16="http://schemas.microsoft.com/office/drawing/2014/main" id="{828D9F71-55C1-460E-B6E9-431C0C40CD6E}"/>
               </a:ext>
             </a:extLst>
           </p:cNvPr>
@@ -290,7 +290,7 @@
           <p:cNvPr id="6" name="灯片编号占位符 5">
             <a:extLst>
               <a:ext uri="{FF2B5EF4-FFF2-40B4-BE49-F238E27FC236}">
-                <a16:creationId xmlns:a16="http://schemas.microsoft.com/office/drawing/2014/main" id="{22A274B8-4EDB-BBD1-2BEB-3623EEEF75CF}"/>
+                <a16:creationId xmlns:a16="http://schemas.microsoft.com/office/drawing/2014/main" id="{9898BCD6-4161-1C3A-2EC3-B0CA27351C0A}"/>
               </a:ext>
             </a:extLst>
           </p:cNvPr>
@@ -306,7 +306,7 @@
           <a:bodyPr/>
           <a:lstStyle/>
           <a:p>
-            <a:fld id="{FAFD31E0-A9C3-426A-9BD7-630A1CE2F757}" type="slidenum">
+            <a:fld id="{570D8F78-D640-4985-ABC3-BED739CD499C}" type="slidenum">
               <a:rPr lang="zh-CN" altLang="en-US" smtClean="0"/>
               <a:t>‹#›</a:t>
             </a:fld>
@@ -317,7 +317,7 @@
     </p:spTree>
     <p:extLst>
       <p:ext uri="{BB962C8B-B14F-4D97-AF65-F5344CB8AC3E}">
-        <p14:creationId xmlns:p14="http://schemas.microsoft.com/office/powerpoint/2010/main" val="1081815926"/>
+        <p14:creationId xmlns:p14="http://schemas.microsoft.com/office/powerpoint/2010/main" val="498049294"/>
       </p:ext>
     </p:extLst>
   </p:cSld>
@@ -349,7 +349,7 @@
           <p:cNvPr id="2" name="标题 1">
             <a:extLst>
               <a:ext uri="{FF2B5EF4-FFF2-40B4-BE49-F238E27FC236}">
-                <a16:creationId xmlns:a16="http://schemas.microsoft.com/office/drawing/2014/main" id="{0152B94C-6E1C-5D75-D505-B3AC31F4C71E}"/>
+                <a16:creationId xmlns:a16="http://schemas.microsoft.com/office/drawing/2014/main" id="{F7AAC27A-49EC-D587-0E72-6C0F3AFE79C4}"/>
               </a:ext>
             </a:extLst>
           </p:cNvPr>
@@ -377,7 +377,7 @@
           <p:cNvPr id="3" name="竖排文字占位符 2">
             <a:extLst>
               <a:ext uri="{FF2B5EF4-FFF2-40B4-BE49-F238E27FC236}">
-                <a16:creationId xmlns:a16="http://schemas.microsoft.com/office/drawing/2014/main" id="{55F139E1-986C-71AB-1784-CF5C8886F961}"/>
+                <a16:creationId xmlns:a16="http://schemas.microsoft.com/office/drawing/2014/main" id="{5635F236-5325-4BA3-65EC-43057E79A3EB}"/>
               </a:ext>
             </a:extLst>
           </p:cNvPr>
@@ -434,7 +434,7 @@
           <p:cNvPr id="4" name="日期占位符 3">
             <a:extLst>
               <a:ext uri="{FF2B5EF4-FFF2-40B4-BE49-F238E27FC236}">
-                <a16:creationId xmlns:a16="http://schemas.microsoft.com/office/drawing/2014/main" id="{46C6EBF1-4841-F319-3E3C-16C3A114ECF4}"/>
+                <a16:creationId xmlns:a16="http://schemas.microsoft.com/office/drawing/2014/main" id="{71400A3E-2335-0534-C527-9F26A6D8134E}"/>
               </a:ext>
             </a:extLst>
           </p:cNvPr>
@@ -450,7 +450,7 @@
           <a:bodyPr/>
           <a:lstStyle/>
           <a:p>
-            <a:fld id="{DE81220B-BE05-46C1-BA6F-AC8D3C7557D2}" type="datetimeFigureOut">
+            <a:fld id="{4C967C12-F262-4771-B101-E73A2D278C4D}" type="datetimeFigureOut">
               <a:rPr lang="zh-CN" altLang="en-US" smtClean="0"/>
               <a:t>2024/3/10</a:t>
             </a:fld>
@@ -463,7 +463,7 @@
           <p:cNvPr id="5" name="页脚占位符 4">
             <a:extLst>
               <a:ext uri="{FF2B5EF4-FFF2-40B4-BE49-F238E27FC236}">
-                <a16:creationId xmlns:a16="http://schemas.microsoft.com/office/drawing/2014/main" id="{3C866B54-4EAC-637C-A2C6-40F948889F15}"/>
+                <a16:creationId xmlns:a16="http://schemas.microsoft.com/office/drawing/2014/main" id="{7CAB3494-39D3-0356-D37D-2A08E3342226}"/>
               </a:ext>
             </a:extLst>
           </p:cNvPr>
@@ -488,7 +488,7 @@
           <p:cNvPr id="6" name="灯片编号占位符 5">
             <a:extLst>
               <a:ext uri="{FF2B5EF4-FFF2-40B4-BE49-F238E27FC236}">
-                <a16:creationId xmlns:a16="http://schemas.microsoft.com/office/drawing/2014/main" id="{C8358654-4861-F48A-74BC-207906784B35}"/>
+                <a16:creationId xmlns:a16="http://schemas.microsoft.com/office/drawing/2014/main" id="{6D1DADEE-FC02-4843-7639-A72C1051A707}"/>
               </a:ext>
             </a:extLst>
           </p:cNvPr>
@@ -504,7 +504,7 @@
           <a:bodyPr/>
           <a:lstStyle/>
           <a:p>
-            <a:fld id="{FAFD31E0-A9C3-426A-9BD7-630A1CE2F757}" type="slidenum">
+            <a:fld id="{570D8F78-D640-4985-ABC3-BED739CD499C}" type="slidenum">
               <a:rPr lang="zh-CN" altLang="en-US" smtClean="0"/>
               <a:t>‹#›</a:t>
             </a:fld>
@@ -515,7 +515,7 @@
     </p:spTree>
     <p:extLst>
       <p:ext uri="{BB962C8B-B14F-4D97-AF65-F5344CB8AC3E}">
-        <p14:creationId xmlns:p14="http://schemas.microsoft.com/office/powerpoint/2010/main" val="3534524770"/>
+        <p14:creationId xmlns:p14="http://schemas.microsoft.com/office/powerpoint/2010/main" val="2461030779"/>
       </p:ext>
     </p:extLst>
   </p:cSld>
@@ -547,7 +547,7 @@
           <p:cNvPr id="2" name="竖排标题 1">
             <a:extLst>
               <a:ext uri="{FF2B5EF4-FFF2-40B4-BE49-F238E27FC236}">
-                <a16:creationId xmlns:a16="http://schemas.microsoft.com/office/drawing/2014/main" id="{39A67721-9BB9-B86D-80BA-03654FFEB527}"/>
+                <a16:creationId xmlns:a16="http://schemas.microsoft.com/office/drawing/2014/main" id="{25FF4590-983B-BB2E-62D6-E7C4C28EA1A9}"/>
               </a:ext>
             </a:extLst>
           </p:cNvPr>
@@ -580,7 +580,7 @@
           <p:cNvPr id="3" name="竖排文字占位符 2">
             <a:extLst>
               <a:ext uri="{FF2B5EF4-FFF2-40B4-BE49-F238E27FC236}">
-                <a16:creationId xmlns:a16="http://schemas.microsoft.com/office/drawing/2014/main" id="{3472D174-839E-75A3-1761-AA7672D47E04}"/>
+                <a16:creationId xmlns:a16="http://schemas.microsoft.com/office/drawing/2014/main" id="{356B9162-995B-EDCA-0B12-EF7BC3042645}"/>
               </a:ext>
             </a:extLst>
           </p:cNvPr>
@@ -642,7 +642,7 @@
           <p:cNvPr id="4" name="日期占位符 3">
             <a:extLst>
               <a:ext uri="{FF2B5EF4-FFF2-40B4-BE49-F238E27FC236}">
-                <a16:creationId xmlns:a16="http://schemas.microsoft.com/office/drawing/2014/main" id="{4F7E3002-5B72-D383-24E3-7F8719423483}"/>
+                <a16:creationId xmlns:a16="http://schemas.microsoft.com/office/drawing/2014/main" id="{33353876-704E-61C9-8546-E7C498958C3F}"/>
               </a:ext>
             </a:extLst>
           </p:cNvPr>
@@ -658,7 +658,7 @@
           <a:bodyPr/>
           <a:lstStyle/>
           <a:p>
-            <a:fld id="{DE81220B-BE05-46C1-BA6F-AC8D3C7557D2}" type="datetimeFigureOut">
+            <a:fld id="{4C967C12-F262-4771-B101-E73A2D278C4D}" type="datetimeFigureOut">
               <a:rPr lang="zh-CN" altLang="en-US" smtClean="0"/>
               <a:t>2024/3/10</a:t>
             </a:fld>
@@ -671,7 +671,7 @@
           <p:cNvPr id="5" name="页脚占位符 4">
             <a:extLst>
               <a:ext uri="{FF2B5EF4-FFF2-40B4-BE49-F238E27FC236}">
-                <a16:creationId xmlns:a16="http://schemas.microsoft.com/office/drawing/2014/main" id="{D18D396C-04FF-9A13-D966-774A5F39FC88}"/>
+                <a16:creationId xmlns:a16="http://schemas.microsoft.com/office/drawing/2014/main" id="{975735DE-EBBE-DD63-C909-B149C26A8A2D}"/>
               </a:ext>
             </a:extLst>
           </p:cNvPr>
@@ -696,7 +696,7 @@
           <p:cNvPr id="6" name="灯片编号占位符 5">
             <a:extLst>
               <a:ext uri="{FF2B5EF4-FFF2-40B4-BE49-F238E27FC236}">
-                <a16:creationId xmlns:a16="http://schemas.microsoft.com/office/drawing/2014/main" id="{EEFB570A-0531-75E7-C254-1A9A60165DB2}"/>
+                <a16:creationId xmlns:a16="http://schemas.microsoft.com/office/drawing/2014/main" id="{3AF766E3-E893-5709-7E6B-07351C43A782}"/>
               </a:ext>
             </a:extLst>
           </p:cNvPr>
@@ -712,7 +712,7 @@
           <a:bodyPr/>
           <a:lstStyle/>
           <a:p>
-            <a:fld id="{FAFD31E0-A9C3-426A-9BD7-630A1CE2F757}" type="slidenum">
+            <a:fld id="{570D8F78-D640-4985-ABC3-BED739CD499C}" type="slidenum">
               <a:rPr lang="zh-CN" altLang="en-US" smtClean="0"/>
               <a:t>‹#›</a:t>
             </a:fld>
@@ -723,7 +723,7 @@
     </p:spTree>
     <p:extLst>
       <p:ext uri="{BB962C8B-B14F-4D97-AF65-F5344CB8AC3E}">
-        <p14:creationId xmlns:p14="http://schemas.microsoft.com/office/powerpoint/2010/main" val="2980045724"/>
+        <p14:creationId xmlns:p14="http://schemas.microsoft.com/office/powerpoint/2010/main" val="2427997967"/>
       </p:ext>
     </p:extLst>
   </p:cSld>
@@ -755,7 +755,7 @@
           <p:cNvPr id="2" name="标题 1">
             <a:extLst>
               <a:ext uri="{FF2B5EF4-FFF2-40B4-BE49-F238E27FC236}">
-                <a16:creationId xmlns:a16="http://schemas.microsoft.com/office/drawing/2014/main" id="{95DAA71F-EE3C-C771-6073-12CF86402CCF}"/>
+                <a16:creationId xmlns:a16="http://schemas.microsoft.com/office/drawing/2014/main" id="{E2C9C653-37FD-1D50-B69C-9623D81773BC}"/>
               </a:ext>
             </a:extLst>
           </p:cNvPr>
@@ -783,7 +783,7 @@
           <p:cNvPr id="3" name="内容占位符 2">
             <a:extLst>
               <a:ext uri="{FF2B5EF4-FFF2-40B4-BE49-F238E27FC236}">
-                <a16:creationId xmlns:a16="http://schemas.microsoft.com/office/drawing/2014/main" id="{ED3BF919-3DA3-9543-AFCF-44488A31CA21}"/>
+                <a16:creationId xmlns:a16="http://schemas.microsoft.com/office/drawing/2014/main" id="{E85101C5-0F73-E0D7-8E61-D05A3B8FF248}"/>
               </a:ext>
             </a:extLst>
           </p:cNvPr>
@@ -840,7 +840,7 @@
           <p:cNvPr id="4" name="日期占位符 3">
             <a:extLst>
               <a:ext uri="{FF2B5EF4-FFF2-40B4-BE49-F238E27FC236}">
-                <a16:creationId xmlns:a16="http://schemas.microsoft.com/office/drawing/2014/main" id="{28CDE0BA-0596-41CD-961F-E96F9E6FD3DA}"/>
+                <a16:creationId xmlns:a16="http://schemas.microsoft.com/office/drawing/2014/main" id="{DFE4A582-E196-DDCA-9703-8C0C86C99DB6}"/>
               </a:ext>
             </a:extLst>
           </p:cNvPr>
@@ -856,7 +856,7 @@
           <a:bodyPr/>
           <a:lstStyle/>
           <a:p>
-            <a:fld id="{DE81220B-BE05-46C1-BA6F-AC8D3C7557D2}" type="datetimeFigureOut">
+            <a:fld id="{4C967C12-F262-4771-B101-E73A2D278C4D}" type="datetimeFigureOut">
               <a:rPr lang="zh-CN" altLang="en-US" smtClean="0"/>
               <a:t>2024/3/10</a:t>
             </a:fld>
@@ -869,7 +869,7 @@
           <p:cNvPr id="5" name="页脚占位符 4">
             <a:extLst>
               <a:ext uri="{FF2B5EF4-FFF2-40B4-BE49-F238E27FC236}">
-                <a16:creationId xmlns:a16="http://schemas.microsoft.com/office/drawing/2014/main" id="{7AC94E9E-8587-B07B-38EB-992F4738BE2D}"/>
+                <a16:creationId xmlns:a16="http://schemas.microsoft.com/office/drawing/2014/main" id="{722118FA-9979-4F41-AE3D-F39FFDBEE934}"/>
               </a:ext>
             </a:extLst>
           </p:cNvPr>
@@ -894,7 +894,7 @@
           <p:cNvPr id="6" name="灯片编号占位符 5">
             <a:extLst>
               <a:ext uri="{FF2B5EF4-FFF2-40B4-BE49-F238E27FC236}">
-                <a16:creationId xmlns:a16="http://schemas.microsoft.com/office/drawing/2014/main" id="{B358BDC5-5507-8773-6031-C2F96AF51CE0}"/>
+                <a16:creationId xmlns:a16="http://schemas.microsoft.com/office/drawing/2014/main" id="{CF4DFACA-97CD-24C8-DFC2-35631AF8BFC4}"/>
               </a:ext>
             </a:extLst>
           </p:cNvPr>
@@ -910,7 +910,7 @@
           <a:bodyPr/>
           <a:lstStyle/>
           <a:p>
-            <a:fld id="{FAFD31E0-A9C3-426A-9BD7-630A1CE2F757}" type="slidenum">
+            <a:fld id="{570D8F78-D640-4985-ABC3-BED739CD499C}" type="slidenum">
               <a:rPr lang="zh-CN" altLang="en-US" smtClean="0"/>
               <a:t>‹#›</a:t>
             </a:fld>
@@ -921,7 +921,7 @@
     </p:spTree>
     <p:extLst>
       <p:ext uri="{BB962C8B-B14F-4D97-AF65-F5344CB8AC3E}">
-        <p14:creationId xmlns:p14="http://schemas.microsoft.com/office/powerpoint/2010/main" val="3097859252"/>
+        <p14:creationId xmlns:p14="http://schemas.microsoft.com/office/powerpoint/2010/main" val="2231033018"/>
       </p:ext>
     </p:extLst>
   </p:cSld>
@@ -953,7 +953,7 @@
           <p:cNvPr id="2" name="标题 1">
             <a:extLst>
               <a:ext uri="{FF2B5EF4-FFF2-40B4-BE49-F238E27FC236}">
-                <a16:creationId xmlns:a16="http://schemas.microsoft.com/office/drawing/2014/main" id="{6426F70A-FABA-679B-C4A5-BEF2095B6FB9}"/>
+                <a16:creationId xmlns:a16="http://schemas.microsoft.com/office/drawing/2014/main" id="{719CD92E-1BE0-32D2-A03F-FEFC6B3B9CA8}"/>
               </a:ext>
             </a:extLst>
           </p:cNvPr>
@@ -990,7 +990,7 @@
           <p:cNvPr id="3" name="文本占位符 2">
             <a:extLst>
               <a:ext uri="{FF2B5EF4-FFF2-40B4-BE49-F238E27FC236}">
-                <a16:creationId xmlns:a16="http://schemas.microsoft.com/office/drawing/2014/main" id="{2709919F-508F-B9E5-96B1-CA336A303DAD}"/>
+                <a16:creationId xmlns:a16="http://schemas.microsoft.com/office/drawing/2014/main" id="{1BC3561C-6C01-B0A0-391C-88BE2C3016B2}"/>
               </a:ext>
             </a:extLst>
           </p:cNvPr>
@@ -1115,7 +1115,7 @@
           <p:cNvPr id="4" name="日期占位符 3">
             <a:extLst>
               <a:ext uri="{FF2B5EF4-FFF2-40B4-BE49-F238E27FC236}">
-                <a16:creationId xmlns:a16="http://schemas.microsoft.com/office/drawing/2014/main" id="{92475BF6-7796-CBE7-4B4A-802E14EF8CC2}"/>
+                <a16:creationId xmlns:a16="http://schemas.microsoft.com/office/drawing/2014/main" id="{3D8B3B67-085F-3645-6104-F661CCBFD424}"/>
               </a:ext>
             </a:extLst>
           </p:cNvPr>
@@ -1131,7 +1131,7 @@
           <a:bodyPr/>
           <a:lstStyle/>
           <a:p>
-            <a:fld id="{DE81220B-BE05-46C1-BA6F-AC8D3C7557D2}" type="datetimeFigureOut">
+            <a:fld id="{4C967C12-F262-4771-B101-E73A2D278C4D}" type="datetimeFigureOut">
               <a:rPr lang="zh-CN" altLang="en-US" smtClean="0"/>
               <a:t>2024/3/10</a:t>
             </a:fld>
@@ -1144,7 +1144,7 @@
           <p:cNvPr id="5" name="页脚占位符 4">
             <a:extLst>
               <a:ext uri="{FF2B5EF4-FFF2-40B4-BE49-F238E27FC236}">
-                <a16:creationId xmlns:a16="http://schemas.microsoft.com/office/drawing/2014/main" id="{C960A19B-8ACF-9165-DB7B-B5567D6B365E}"/>
+                <a16:creationId xmlns:a16="http://schemas.microsoft.com/office/drawing/2014/main" id="{42452DBB-2730-ECD1-3BC7-10F1F2807FD1}"/>
               </a:ext>
             </a:extLst>
           </p:cNvPr>
@@ -1169,7 +1169,7 @@
           <p:cNvPr id="6" name="灯片编号占位符 5">
             <a:extLst>
               <a:ext uri="{FF2B5EF4-FFF2-40B4-BE49-F238E27FC236}">
-                <a16:creationId xmlns:a16="http://schemas.microsoft.com/office/drawing/2014/main" id="{A57A1011-4712-F505-2038-5E81066431B8}"/>
+                <a16:creationId xmlns:a16="http://schemas.microsoft.com/office/drawing/2014/main" id="{D788F830-3068-7860-8A3B-9830B657DEFF}"/>
               </a:ext>
             </a:extLst>
           </p:cNvPr>
@@ -1185,7 +1185,7 @@
           <a:bodyPr/>
           <a:lstStyle/>
           <a:p>
-            <a:fld id="{FAFD31E0-A9C3-426A-9BD7-630A1CE2F757}" type="slidenum">
+            <a:fld id="{570D8F78-D640-4985-ABC3-BED739CD499C}" type="slidenum">
               <a:rPr lang="zh-CN" altLang="en-US" smtClean="0"/>
               <a:t>‹#›</a:t>
             </a:fld>
@@ -1196,7 +1196,7 @@
     </p:spTree>
     <p:extLst>
       <p:ext uri="{BB962C8B-B14F-4D97-AF65-F5344CB8AC3E}">
-        <p14:creationId xmlns:p14="http://schemas.microsoft.com/office/powerpoint/2010/main" val="4227371906"/>
+        <p14:creationId xmlns:p14="http://schemas.microsoft.com/office/powerpoint/2010/main" val="1534219444"/>
       </p:ext>
     </p:extLst>
   </p:cSld>
@@ -1228,7 +1228,7 @@
           <p:cNvPr id="2" name="标题 1">
             <a:extLst>
               <a:ext uri="{FF2B5EF4-FFF2-40B4-BE49-F238E27FC236}">
-                <a16:creationId xmlns:a16="http://schemas.microsoft.com/office/drawing/2014/main" id="{B655A3BB-831A-3DB1-1426-0A9C234798FC}"/>
+                <a16:creationId xmlns:a16="http://schemas.microsoft.com/office/drawing/2014/main" id="{1607B6A2-F96B-17E6-1DB7-A98776870C00}"/>
               </a:ext>
             </a:extLst>
           </p:cNvPr>
@@ -1256,7 +1256,7 @@
           <p:cNvPr id="3" name="内容占位符 2">
             <a:extLst>
               <a:ext uri="{FF2B5EF4-FFF2-40B4-BE49-F238E27FC236}">
-                <a16:creationId xmlns:a16="http://schemas.microsoft.com/office/drawing/2014/main" id="{338DD570-5FC7-B7C8-F1CE-A9EABE742F86}"/>
+                <a16:creationId xmlns:a16="http://schemas.microsoft.com/office/drawing/2014/main" id="{3294B7AC-3338-ACAA-39E0-C284C3B35E8D}"/>
               </a:ext>
             </a:extLst>
           </p:cNvPr>
@@ -1318,7 +1318,7 @@
           <p:cNvPr id="4" name="内容占位符 3">
             <a:extLst>
               <a:ext uri="{FF2B5EF4-FFF2-40B4-BE49-F238E27FC236}">
-                <a16:creationId xmlns:a16="http://schemas.microsoft.com/office/drawing/2014/main" id="{B8807E48-D80E-B8AE-C060-EB9308D3178E}"/>
+                <a16:creationId xmlns:a16="http://schemas.microsoft.com/office/drawing/2014/main" id="{8DEE7066-5E1A-CC95-FEA8-351CE9E18540}"/>
               </a:ext>
             </a:extLst>
           </p:cNvPr>
@@ -1380,7 +1380,7 @@
           <p:cNvPr id="5" name="日期占位符 4">
             <a:extLst>
               <a:ext uri="{FF2B5EF4-FFF2-40B4-BE49-F238E27FC236}">
-                <a16:creationId xmlns:a16="http://schemas.microsoft.com/office/drawing/2014/main" id="{5CD111B3-C168-9CAD-FFB4-5DF73B4B0600}"/>
+                <a16:creationId xmlns:a16="http://schemas.microsoft.com/office/drawing/2014/main" id="{7193EE59-A3B0-1153-66A8-6696AAD3851C}"/>
               </a:ext>
             </a:extLst>
           </p:cNvPr>
@@ -1396,7 +1396,7 @@
           <a:bodyPr/>
           <a:lstStyle/>
           <a:p>
-            <a:fld id="{DE81220B-BE05-46C1-BA6F-AC8D3C7557D2}" type="datetimeFigureOut">
+            <a:fld id="{4C967C12-F262-4771-B101-E73A2D278C4D}" type="datetimeFigureOut">
               <a:rPr lang="zh-CN" altLang="en-US" smtClean="0"/>
               <a:t>2024/3/10</a:t>
             </a:fld>
@@ -1409,7 +1409,7 @@
           <p:cNvPr id="6" name="页脚占位符 5">
             <a:extLst>
               <a:ext uri="{FF2B5EF4-FFF2-40B4-BE49-F238E27FC236}">
-                <a16:creationId xmlns:a16="http://schemas.microsoft.com/office/drawing/2014/main" id="{C83C4771-B6AC-6F71-774D-5BACB54BB08F}"/>
+                <a16:creationId xmlns:a16="http://schemas.microsoft.com/office/drawing/2014/main" id="{C79BA560-7575-05AE-21A6-7817576CF96C}"/>
               </a:ext>
             </a:extLst>
           </p:cNvPr>
@@ -1434,7 +1434,7 @@
           <p:cNvPr id="7" name="灯片编号占位符 6">
             <a:extLst>
               <a:ext uri="{FF2B5EF4-FFF2-40B4-BE49-F238E27FC236}">
-                <a16:creationId xmlns:a16="http://schemas.microsoft.com/office/drawing/2014/main" id="{8629C85C-33C1-D573-A193-7C9384BC4A21}"/>
+                <a16:creationId xmlns:a16="http://schemas.microsoft.com/office/drawing/2014/main" id="{4A2AFEE1-6094-8A18-AE88-B777915F9029}"/>
               </a:ext>
             </a:extLst>
           </p:cNvPr>
@@ -1450,7 +1450,7 @@
           <a:bodyPr/>
           <a:lstStyle/>
           <a:p>
-            <a:fld id="{FAFD31E0-A9C3-426A-9BD7-630A1CE2F757}" type="slidenum">
+            <a:fld id="{570D8F78-D640-4985-ABC3-BED739CD499C}" type="slidenum">
               <a:rPr lang="zh-CN" altLang="en-US" smtClean="0"/>
               <a:t>‹#›</a:t>
             </a:fld>
@@ -1461,7 +1461,7 @@
     </p:spTree>
     <p:extLst>
       <p:ext uri="{BB962C8B-B14F-4D97-AF65-F5344CB8AC3E}">
-        <p14:creationId xmlns:p14="http://schemas.microsoft.com/office/powerpoint/2010/main" val="2444950463"/>
+        <p14:creationId xmlns:p14="http://schemas.microsoft.com/office/powerpoint/2010/main" val="312822716"/>
       </p:ext>
     </p:extLst>
   </p:cSld>
@@ -1493,7 +1493,7 @@
           <p:cNvPr id="2" name="标题 1">
             <a:extLst>
               <a:ext uri="{FF2B5EF4-FFF2-40B4-BE49-F238E27FC236}">
-                <a16:creationId xmlns:a16="http://schemas.microsoft.com/office/drawing/2014/main" id="{88831562-B89E-DA28-8484-5200B718D81A}"/>
+                <a16:creationId xmlns:a16="http://schemas.microsoft.com/office/drawing/2014/main" id="{350A2996-55B3-EDB7-BF72-D13618AF7B73}"/>
               </a:ext>
             </a:extLst>
           </p:cNvPr>
@@ -1526,7 +1526,7 @@
           <p:cNvPr id="3" name="文本占位符 2">
             <a:extLst>
               <a:ext uri="{FF2B5EF4-FFF2-40B4-BE49-F238E27FC236}">
-                <a16:creationId xmlns:a16="http://schemas.microsoft.com/office/drawing/2014/main" id="{AFBE5588-114C-D0E8-69D3-B9420134834E}"/>
+                <a16:creationId xmlns:a16="http://schemas.microsoft.com/office/drawing/2014/main" id="{62F543AC-3EA4-A349-42B2-15EA21F805DC}"/>
               </a:ext>
             </a:extLst>
           </p:cNvPr>
@@ -1597,7 +1597,7 @@
           <p:cNvPr id="4" name="内容占位符 3">
             <a:extLst>
               <a:ext uri="{FF2B5EF4-FFF2-40B4-BE49-F238E27FC236}">
-                <a16:creationId xmlns:a16="http://schemas.microsoft.com/office/drawing/2014/main" id="{D1EAC086-0591-A789-EB64-F2FA528F836A}"/>
+                <a16:creationId xmlns:a16="http://schemas.microsoft.com/office/drawing/2014/main" id="{6750386B-23B3-F951-6E10-D734390599D6}"/>
               </a:ext>
             </a:extLst>
           </p:cNvPr>
@@ -1659,7 +1659,7 @@
           <p:cNvPr id="5" name="文本占位符 4">
             <a:extLst>
               <a:ext uri="{FF2B5EF4-FFF2-40B4-BE49-F238E27FC236}">
-                <a16:creationId xmlns:a16="http://schemas.microsoft.com/office/drawing/2014/main" id="{7709DF8C-6490-0401-4998-094B1C6A260E}"/>
+                <a16:creationId xmlns:a16="http://schemas.microsoft.com/office/drawing/2014/main" id="{028A5413-677D-52FC-6AF3-A59722191196}"/>
               </a:ext>
             </a:extLst>
           </p:cNvPr>
@@ -1730,7 +1730,7 @@
           <p:cNvPr id="6" name="内容占位符 5">
             <a:extLst>
               <a:ext uri="{FF2B5EF4-FFF2-40B4-BE49-F238E27FC236}">
-                <a16:creationId xmlns:a16="http://schemas.microsoft.com/office/drawing/2014/main" id="{C42CB72C-D6B0-1CD5-F7DD-CD1F87DBBB36}"/>
+                <a16:creationId xmlns:a16="http://schemas.microsoft.com/office/drawing/2014/main" id="{0AB22C84-81FD-623B-57FD-5498A66C9E62}"/>
               </a:ext>
             </a:extLst>
           </p:cNvPr>
@@ -1792,7 +1792,7 @@
           <p:cNvPr id="7" name="日期占位符 6">
             <a:extLst>
               <a:ext uri="{FF2B5EF4-FFF2-40B4-BE49-F238E27FC236}">
-                <a16:creationId xmlns:a16="http://schemas.microsoft.com/office/drawing/2014/main" id="{F222C712-287F-650E-BD30-509C22F28918}"/>
+                <a16:creationId xmlns:a16="http://schemas.microsoft.com/office/drawing/2014/main" id="{366238D7-4212-EA6B-194C-8DAACC2AD965}"/>
               </a:ext>
             </a:extLst>
           </p:cNvPr>
@@ -1808,7 +1808,7 @@
           <a:bodyPr/>
           <a:lstStyle/>
           <a:p>
-            <a:fld id="{DE81220B-BE05-46C1-BA6F-AC8D3C7557D2}" type="datetimeFigureOut">
+            <a:fld id="{4C967C12-F262-4771-B101-E73A2D278C4D}" type="datetimeFigureOut">
               <a:rPr lang="zh-CN" altLang="en-US" smtClean="0"/>
               <a:t>2024/3/10</a:t>
             </a:fld>
@@ -1821,7 +1821,7 @@
           <p:cNvPr id="8" name="页脚占位符 7">
             <a:extLst>
               <a:ext uri="{FF2B5EF4-FFF2-40B4-BE49-F238E27FC236}">
-                <a16:creationId xmlns:a16="http://schemas.microsoft.com/office/drawing/2014/main" id="{7A448F3C-F3B1-2F72-0B83-0033CE87E91F}"/>
+                <a16:creationId xmlns:a16="http://schemas.microsoft.com/office/drawing/2014/main" id="{A8192ACF-0BC4-8188-3DBB-4BEE1E44D94E}"/>
               </a:ext>
             </a:extLst>
           </p:cNvPr>
@@ -1846,7 +1846,7 @@
           <p:cNvPr id="9" name="灯片编号占位符 8">
             <a:extLst>
               <a:ext uri="{FF2B5EF4-FFF2-40B4-BE49-F238E27FC236}">
-                <a16:creationId xmlns:a16="http://schemas.microsoft.com/office/drawing/2014/main" id="{E416F470-7B07-5092-39D7-3C76818107A5}"/>
+                <a16:creationId xmlns:a16="http://schemas.microsoft.com/office/drawing/2014/main" id="{3C572A51-76D0-E9C3-F4C8-64710B1A79FB}"/>
               </a:ext>
             </a:extLst>
           </p:cNvPr>
@@ -1862,7 +1862,7 @@
           <a:bodyPr/>
           <a:lstStyle/>
           <a:p>
-            <a:fld id="{FAFD31E0-A9C3-426A-9BD7-630A1CE2F757}" type="slidenum">
+            <a:fld id="{570D8F78-D640-4985-ABC3-BED739CD499C}" type="slidenum">
               <a:rPr lang="zh-CN" altLang="en-US" smtClean="0"/>
               <a:t>‹#›</a:t>
             </a:fld>
@@ -1873,7 +1873,7 @@
     </p:spTree>
     <p:extLst>
       <p:ext uri="{BB962C8B-B14F-4D97-AF65-F5344CB8AC3E}">
-        <p14:creationId xmlns:p14="http://schemas.microsoft.com/office/powerpoint/2010/main" val="1669348362"/>
+        <p14:creationId xmlns:p14="http://schemas.microsoft.com/office/powerpoint/2010/main" val="2167875082"/>
       </p:ext>
     </p:extLst>
   </p:cSld>
@@ -1905,7 +1905,7 @@
           <p:cNvPr id="2" name="标题 1">
             <a:extLst>
               <a:ext uri="{FF2B5EF4-FFF2-40B4-BE49-F238E27FC236}">
-                <a16:creationId xmlns:a16="http://schemas.microsoft.com/office/drawing/2014/main" id="{4254AA10-66BA-9B69-CA56-1B4E165CACB7}"/>
+                <a16:creationId xmlns:a16="http://schemas.microsoft.com/office/drawing/2014/main" id="{72014A01-2631-765E-7658-CBFDCDBC6DB9}"/>
               </a:ext>
             </a:extLst>
           </p:cNvPr>
@@ -1933,7 +1933,7 @@
           <p:cNvPr id="3" name="日期占位符 2">
             <a:extLst>
               <a:ext uri="{FF2B5EF4-FFF2-40B4-BE49-F238E27FC236}">
-                <a16:creationId xmlns:a16="http://schemas.microsoft.com/office/drawing/2014/main" id="{48DAAA4D-C425-A890-0CEF-FFAF37BE48D1}"/>
+                <a16:creationId xmlns:a16="http://schemas.microsoft.com/office/drawing/2014/main" id="{8BAD2FBB-D89B-0373-067B-242E2C4E1A61}"/>
               </a:ext>
             </a:extLst>
           </p:cNvPr>
@@ -1949,7 +1949,7 @@
           <a:bodyPr/>
           <a:lstStyle/>
           <a:p>
-            <a:fld id="{DE81220B-BE05-46C1-BA6F-AC8D3C7557D2}" type="datetimeFigureOut">
+            <a:fld id="{4C967C12-F262-4771-B101-E73A2D278C4D}" type="datetimeFigureOut">
               <a:rPr lang="zh-CN" altLang="en-US" smtClean="0"/>
               <a:t>2024/3/10</a:t>
             </a:fld>
@@ -1962,7 +1962,7 @@
           <p:cNvPr id="4" name="页脚占位符 3">
             <a:extLst>
               <a:ext uri="{FF2B5EF4-FFF2-40B4-BE49-F238E27FC236}">
-                <a16:creationId xmlns:a16="http://schemas.microsoft.com/office/drawing/2014/main" id="{D155994B-0BB6-1388-B81B-459D837C335C}"/>
+                <a16:creationId xmlns:a16="http://schemas.microsoft.com/office/drawing/2014/main" id="{7288A762-F184-1CD5-F849-CA7B1922C935}"/>
               </a:ext>
             </a:extLst>
           </p:cNvPr>
@@ -1987,7 +1987,7 @@
           <p:cNvPr id="5" name="灯片编号占位符 4">
             <a:extLst>
               <a:ext uri="{FF2B5EF4-FFF2-40B4-BE49-F238E27FC236}">
-                <a16:creationId xmlns:a16="http://schemas.microsoft.com/office/drawing/2014/main" id="{0839F4ED-3867-0348-E0CA-730C69212715}"/>
+                <a16:creationId xmlns:a16="http://schemas.microsoft.com/office/drawing/2014/main" id="{D9871383-FD2C-1614-C6B4-976E9B5E5831}"/>
               </a:ext>
             </a:extLst>
           </p:cNvPr>
@@ -2003,7 +2003,7 @@
           <a:bodyPr/>
           <a:lstStyle/>
           <a:p>
-            <a:fld id="{FAFD31E0-A9C3-426A-9BD7-630A1CE2F757}" type="slidenum">
+            <a:fld id="{570D8F78-D640-4985-ABC3-BED739CD499C}" type="slidenum">
               <a:rPr lang="zh-CN" altLang="en-US" smtClean="0"/>
               <a:t>‹#›</a:t>
             </a:fld>
@@ -2014,7 +2014,7 @@
     </p:spTree>
     <p:extLst>
       <p:ext uri="{BB962C8B-B14F-4D97-AF65-F5344CB8AC3E}">
-        <p14:creationId xmlns:p14="http://schemas.microsoft.com/office/powerpoint/2010/main" val="2732924753"/>
+        <p14:creationId xmlns:p14="http://schemas.microsoft.com/office/powerpoint/2010/main" val="1431647570"/>
       </p:ext>
     </p:extLst>
   </p:cSld>
@@ -2046,7 +2046,7 @@
           <p:cNvPr id="2" name="日期占位符 1">
             <a:extLst>
               <a:ext uri="{FF2B5EF4-FFF2-40B4-BE49-F238E27FC236}">
-                <a16:creationId xmlns:a16="http://schemas.microsoft.com/office/drawing/2014/main" id="{3AE4E339-9F1E-388B-5194-72BA0A8324AE}"/>
+                <a16:creationId xmlns:a16="http://schemas.microsoft.com/office/drawing/2014/main" id="{25FD9F9F-921F-B303-A777-A59397613706}"/>
               </a:ext>
             </a:extLst>
           </p:cNvPr>
@@ -2062,7 +2062,7 @@
           <a:bodyPr/>
           <a:lstStyle/>
           <a:p>
-            <a:fld id="{DE81220B-BE05-46C1-BA6F-AC8D3C7557D2}" type="datetimeFigureOut">
+            <a:fld id="{4C967C12-F262-4771-B101-E73A2D278C4D}" type="datetimeFigureOut">
               <a:rPr lang="zh-CN" altLang="en-US" smtClean="0"/>
               <a:t>2024/3/10</a:t>
             </a:fld>
@@ -2075,7 +2075,7 @@
           <p:cNvPr id="3" name="页脚占位符 2">
             <a:extLst>
               <a:ext uri="{FF2B5EF4-FFF2-40B4-BE49-F238E27FC236}">
-                <a16:creationId xmlns:a16="http://schemas.microsoft.com/office/drawing/2014/main" id="{7D2BF3BF-EDD5-E54D-DC59-D7E9666E32E9}"/>
+                <a16:creationId xmlns:a16="http://schemas.microsoft.com/office/drawing/2014/main" id="{5FE35F1C-B3FC-9FBE-B4CB-B1382077987F}"/>
               </a:ext>
             </a:extLst>
           </p:cNvPr>
@@ -2100,7 +2100,7 @@
           <p:cNvPr id="4" name="灯片编号占位符 3">
             <a:extLst>
               <a:ext uri="{FF2B5EF4-FFF2-40B4-BE49-F238E27FC236}">
-                <a16:creationId xmlns:a16="http://schemas.microsoft.com/office/drawing/2014/main" id="{D3D296A4-9623-9214-A982-A3ED500010AB}"/>
+                <a16:creationId xmlns:a16="http://schemas.microsoft.com/office/drawing/2014/main" id="{418DC6D7-DEA1-A387-D98D-7C3EA4D8F2A5}"/>
               </a:ext>
             </a:extLst>
           </p:cNvPr>
@@ -2116,7 +2116,7 @@
           <a:bodyPr/>
           <a:lstStyle/>
           <a:p>
-            <a:fld id="{FAFD31E0-A9C3-426A-9BD7-630A1CE2F757}" type="slidenum">
+            <a:fld id="{570D8F78-D640-4985-ABC3-BED739CD499C}" type="slidenum">
               <a:rPr lang="zh-CN" altLang="en-US" smtClean="0"/>
               <a:t>‹#›</a:t>
             </a:fld>
@@ -2127,7 +2127,7 @@
     </p:spTree>
     <p:extLst>
       <p:ext uri="{BB962C8B-B14F-4D97-AF65-F5344CB8AC3E}">
-        <p14:creationId xmlns:p14="http://schemas.microsoft.com/office/powerpoint/2010/main" val="2063809812"/>
+        <p14:creationId xmlns:p14="http://schemas.microsoft.com/office/powerpoint/2010/main" val="3205306948"/>
       </p:ext>
     </p:extLst>
   </p:cSld>
@@ -2159,7 +2159,7 @@
           <p:cNvPr id="2" name="标题 1">
             <a:extLst>
               <a:ext uri="{FF2B5EF4-FFF2-40B4-BE49-F238E27FC236}">
-                <a16:creationId xmlns:a16="http://schemas.microsoft.com/office/drawing/2014/main" id="{38CDFEC8-E8AB-BD38-FEE8-25D7B7487FF6}"/>
+                <a16:creationId xmlns:a16="http://schemas.microsoft.com/office/drawing/2014/main" id="{B811D1E0-83FA-7F95-48FA-6084BD13BCA5}"/>
               </a:ext>
             </a:extLst>
           </p:cNvPr>
@@ -2196,7 +2196,7 @@
           <p:cNvPr id="3" name="内容占位符 2">
             <a:extLst>
               <a:ext uri="{FF2B5EF4-FFF2-40B4-BE49-F238E27FC236}">
-                <a16:creationId xmlns:a16="http://schemas.microsoft.com/office/drawing/2014/main" id="{0362AA02-76EA-5974-94C0-259006DD0874}"/>
+                <a16:creationId xmlns:a16="http://schemas.microsoft.com/office/drawing/2014/main" id="{AF61F31D-ECF0-EC26-7815-3BE3BAF3B191}"/>
               </a:ext>
             </a:extLst>
           </p:cNvPr>
@@ -2286,7 +2286,7 @@
           <p:cNvPr id="4" name="文本占位符 3">
             <a:extLst>
               <a:ext uri="{FF2B5EF4-FFF2-40B4-BE49-F238E27FC236}">
-                <a16:creationId xmlns:a16="http://schemas.microsoft.com/office/drawing/2014/main" id="{04E4983D-4A6C-C392-074A-15E382A5D375}"/>
+                <a16:creationId xmlns:a16="http://schemas.microsoft.com/office/drawing/2014/main" id="{A71CA2B7-B3D2-389D-A3DD-98F1A5C5F410}"/>
               </a:ext>
             </a:extLst>
           </p:cNvPr>
@@ -2357,7 +2357,7 @@
           <p:cNvPr id="5" name="日期占位符 4">
             <a:extLst>
               <a:ext uri="{FF2B5EF4-FFF2-40B4-BE49-F238E27FC236}">
-                <a16:creationId xmlns:a16="http://schemas.microsoft.com/office/drawing/2014/main" id="{95D7054C-3BBD-C3D2-CED9-E47EE0D5AACD}"/>
+                <a16:creationId xmlns:a16="http://schemas.microsoft.com/office/drawing/2014/main" id="{44D311EC-9227-69CC-EF3A-31C46CAFF89E}"/>
               </a:ext>
             </a:extLst>
           </p:cNvPr>
@@ -2373,7 +2373,7 @@
           <a:bodyPr/>
           <a:lstStyle/>
           <a:p>
-            <a:fld id="{DE81220B-BE05-46C1-BA6F-AC8D3C7557D2}" type="datetimeFigureOut">
+            <a:fld id="{4C967C12-F262-4771-B101-E73A2D278C4D}" type="datetimeFigureOut">
               <a:rPr lang="zh-CN" altLang="en-US" smtClean="0"/>
               <a:t>2024/3/10</a:t>
             </a:fld>
@@ -2386,7 +2386,7 @@
           <p:cNvPr id="6" name="页脚占位符 5">
             <a:extLst>
               <a:ext uri="{FF2B5EF4-FFF2-40B4-BE49-F238E27FC236}">
-                <a16:creationId xmlns:a16="http://schemas.microsoft.com/office/drawing/2014/main" id="{506FBACB-F7C0-022F-EB5B-04DD7869D17F}"/>
+                <a16:creationId xmlns:a16="http://schemas.microsoft.com/office/drawing/2014/main" id="{060ECC2F-1F68-2CBD-CF1D-64757E8CE614}"/>
               </a:ext>
             </a:extLst>
           </p:cNvPr>
@@ -2411,7 +2411,7 @@
           <p:cNvPr id="7" name="灯片编号占位符 6">
             <a:extLst>
               <a:ext uri="{FF2B5EF4-FFF2-40B4-BE49-F238E27FC236}">
-                <a16:creationId xmlns:a16="http://schemas.microsoft.com/office/drawing/2014/main" id="{C62CDAFA-D54F-347A-110D-8D0534818DAA}"/>
+                <a16:creationId xmlns:a16="http://schemas.microsoft.com/office/drawing/2014/main" id="{0BAADDDB-3E56-948D-E1D8-AB8BB9586FF1}"/>
               </a:ext>
             </a:extLst>
           </p:cNvPr>
@@ -2427,7 +2427,7 @@
           <a:bodyPr/>
           <a:lstStyle/>
           <a:p>
-            <a:fld id="{FAFD31E0-A9C3-426A-9BD7-630A1CE2F757}" type="slidenum">
+            <a:fld id="{570D8F78-D640-4985-ABC3-BED739CD499C}" type="slidenum">
               <a:rPr lang="zh-CN" altLang="en-US" smtClean="0"/>
               <a:t>‹#›</a:t>
             </a:fld>
@@ -2438,7 +2438,7 @@
     </p:spTree>
     <p:extLst>
       <p:ext uri="{BB962C8B-B14F-4D97-AF65-F5344CB8AC3E}">
-        <p14:creationId xmlns:p14="http://schemas.microsoft.com/office/powerpoint/2010/main" val="4148172650"/>
+        <p14:creationId xmlns:p14="http://schemas.microsoft.com/office/powerpoint/2010/main" val="2935834704"/>
       </p:ext>
     </p:extLst>
   </p:cSld>
@@ -2470,7 +2470,7 @@
           <p:cNvPr id="2" name="标题 1">
             <a:extLst>
               <a:ext uri="{FF2B5EF4-FFF2-40B4-BE49-F238E27FC236}">
-                <a16:creationId xmlns:a16="http://schemas.microsoft.com/office/drawing/2014/main" id="{C0B0729F-8C39-C7A9-9CC8-050593990FDB}"/>
+                <a16:creationId xmlns:a16="http://schemas.microsoft.com/office/drawing/2014/main" id="{8F15637C-4C35-A9B4-48AF-677833B57296}"/>
               </a:ext>
             </a:extLst>
           </p:cNvPr>
@@ -2507,7 +2507,7 @@
           <p:cNvPr id="3" name="图片占位符 2">
             <a:extLst>
               <a:ext uri="{FF2B5EF4-FFF2-40B4-BE49-F238E27FC236}">
-                <a16:creationId xmlns:a16="http://schemas.microsoft.com/office/drawing/2014/main" id="{C4047CE5-308D-B76C-EE30-5BCC76687B96}"/>
+                <a16:creationId xmlns:a16="http://schemas.microsoft.com/office/drawing/2014/main" id="{C6F9FAD4-62B5-CCB8-5B9C-A20151CE40B3}"/>
               </a:ext>
             </a:extLst>
           </p:cNvPr>
@@ -2574,7 +2574,7 @@
           <p:cNvPr id="4" name="文本占位符 3">
             <a:extLst>
               <a:ext uri="{FF2B5EF4-FFF2-40B4-BE49-F238E27FC236}">
-                <a16:creationId xmlns:a16="http://schemas.microsoft.com/office/drawing/2014/main" id="{22AA2165-A938-9063-E6D6-DE91542AD825}"/>
+                <a16:creationId xmlns:a16="http://schemas.microsoft.com/office/drawing/2014/main" id="{865B6EAD-7016-EA3A-2BBE-B2818530C703}"/>
               </a:ext>
             </a:extLst>
           </p:cNvPr>
@@ -2645,7 +2645,7 @@
           <p:cNvPr id="5" name="日期占位符 4">
             <a:extLst>
               <a:ext uri="{FF2B5EF4-FFF2-40B4-BE49-F238E27FC236}">
-                <a16:creationId xmlns:a16="http://schemas.microsoft.com/office/drawing/2014/main" id="{C084549D-2801-83F4-41F4-167B2CBFFD2D}"/>
+                <a16:creationId xmlns:a16="http://schemas.microsoft.com/office/drawing/2014/main" id="{7D91B7E1-D4C8-12CC-4653-1F1B3F30095B}"/>
               </a:ext>
             </a:extLst>
           </p:cNvPr>
@@ -2661,7 +2661,7 @@
           <a:bodyPr/>
           <a:lstStyle/>
           <a:p>
-            <a:fld id="{DE81220B-BE05-46C1-BA6F-AC8D3C7557D2}" type="datetimeFigureOut">
+            <a:fld id="{4C967C12-F262-4771-B101-E73A2D278C4D}" type="datetimeFigureOut">
               <a:rPr lang="zh-CN" altLang="en-US" smtClean="0"/>
               <a:t>2024/3/10</a:t>
             </a:fld>
@@ -2674,7 +2674,7 @@
           <p:cNvPr id="6" name="页脚占位符 5">
             <a:extLst>
               <a:ext uri="{FF2B5EF4-FFF2-40B4-BE49-F238E27FC236}">
-                <a16:creationId xmlns:a16="http://schemas.microsoft.com/office/drawing/2014/main" id="{93CAF115-BF8F-0519-F82A-0FA89F3363FC}"/>
+                <a16:creationId xmlns:a16="http://schemas.microsoft.com/office/drawing/2014/main" id="{13A4DAF8-4942-14FB-EDDB-2BFC0768DBD3}"/>
               </a:ext>
             </a:extLst>
           </p:cNvPr>
@@ -2699,7 +2699,7 @@
           <p:cNvPr id="7" name="灯片编号占位符 6">
             <a:extLst>
               <a:ext uri="{FF2B5EF4-FFF2-40B4-BE49-F238E27FC236}">
-                <a16:creationId xmlns:a16="http://schemas.microsoft.com/office/drawing/2014/main" id="{DB98187E-BC77-7D42-F39F-152AC07BE4E9}"/>
+                <a16:creationId xmlns:a16="http://schemas.microsoft.com/office/drawing/2014/main" id="{B91C0FDA-66A9-0B6B-9A80-69A9561F83BE}"/>
               </a:ext>
             </a:extLst>
           </p:cNvPr>
@@ -2715,7 +2715,7 @@
           <a:bodyPr/>
           <a:lstStyle/>
           <a:p>
-            <a:fld id="{FAFD31E0-A9C3-426A-9BD7-630A1CE2F757}" type="slidenum">
+            <a:fld id="{570D8F78-D640-4985-ABC3-BED739CD499C}" type="slidenum">
               <a:rPr lang="zh-CN" altLang="en-US" smtClean="0"/>
               <a:t>‹#›</a:t>
             </a:fld>
@@ -2726,7 +2726,7 @@
     </p:spTree>
     <p:extLst>
       <p:ext uri="{BB962C8B-B14F-4D97-AF65-F5344CB8AC3E}">
-        <p14:creationId xmlns:p14="http://schemas.microsoft.com/office/powerpoint/2010/main" val="2255655543"/>
+        <p14:creationId xmlns:p14="http://schemas.microsoft.com/office/powerpoint/2010/main" val="2128092874"/>
       </p:ext>
     </p:extLst>
   </p:cSld>
@@ -2763,7 +2763,7 @@
           <p:cNvPr id="2" name="标题占位符 1">
             <a:extLst>
               <a:ext uri="{FF2B5EF4-FFF2-40B4-BE49-F238E27FC236}">
-                <a16:creationId xmlns:a16="http://schemas.microsoft.com/office/drawing/2014/main" id="{34DFD129-42B7-552D-94BE-9E9313383CC9}"/>
+                <a16:creationId xmlns:a16="http://schemas.microsoft.com/office/drawing/2014/main" id="{5401E7B4-ACBF-024E-6A0A-ECA4CA269427}"/>
               </a:ext>
             </a:extLst>
           </p:cNvPr>
@@ -2801,7 +2801,7 @@
           <p:cNvPr id="3" name="文本占位符 2">
             <a:extLst>
               <a:ext uri="{FF2B5EF4-FFF2-40B4-BE49-F238E27FC236}">
-                <a16:creationId xmlns:a16="http://schemas.microsoft.com/office/drawing/2014/main" id="{090FEA7C-A5FA-46C7-7500-FE2F612594A4}"/>
+                <a16:creationId xmlns:a16="http://schemas.microsoft.com/office/drawing/2014/main" id="{160B96C3-436E-3254-331F-90841AEA82E5}"/>
               </a:ext>
             </a:extLst>
           </p:cNvPr>
@@ -2868,7 +2868,7 @@
           <p:cNvPr id="4" name="日期占位符 3">
             <a:extLst>
               <a:ext uri="{FF2B5EF4-FFF2-40B4-BE49-F238E27FC236}">
-                <a16:creationId xmlns:a16="http://schemas.microsoft.com/office/drawing/2014/main" id="{47DBD0B3-6F15-4674-47E8-610347F79F43}"/>
+                <a16:creationId xmlns:a16="http://schemas.microsoft.com/office/drawing/2014/main" id="{A5061B8E-3EA5-B931-63C7-385C93C591EC}"/>
               </a:ext>
             </a:extLst>
           </p:cNvPr>
@@ -2902,7 +2902,7 @@
             </a:lvl1pPr>
           </a:lstStyle>
           <a:p>
-            <a:fld id="{DE81220B-BE05-46C1-BA6F-AC8D3C7557D2}" type="datetimeFigureOut">
+            <a:fld id="{4C967C12-F262-4771-B101-E73A2D278C4D}" type="datetimeFigureOut">
               <a:rPr lang="zh-CN" altLang="en-US" smtClean="0"/>
               <a:t>2024/3/10</a:t>
             </a:fld>
@@ -2915,7 +2915,7 @@
           <p:cNvPr id="5" name="页脚占位符 4">
             <a:extLst>
               <a:ext uri="{FF2B5EF4-FFF2-40B4-BE49-F238E27FC236}">
-                <a16:creationId xmlns:a16="http://schemas.microsoft.com/office/drawing/2014/main" id="{547BA275-4E44-1E25-14DC-F6A0CAF6477F}"/>
+                <a16:creationId xmlns:a16="http://schemas.microsoft.com/office/drawing/2014/main" id="{EE541B51-3EC3-4CBA-A90D-EC50D447C5A4}"/>
               </a:ext>
             </a:extLst>
           </p:cNvPr>
@@ -2958,7 +2958,7 @@
           <p:cNvPr id="6" name="灯片编号占位符 5">
             <a:extLst>
               <a:ext uri="{FF2B5EF4-FFF2-40B4-BE49-F238E27FC236}">
-                <a16:creationId xmlns:a16="http://schemas.microsoft.com/office/drawing/2014/main" id="{38C999FA-07CF-4AD8-0FB2-3F0AA36C9B1A}"/>
+                <a16:creationId xmlns:a16="http://schemas.microsoft.com/office/drawing/2014/main" id="{F58E00E7-AE94-0D1A-EDAA-A47C3909C7D1}"/>
               </a:ext>
             </a:extLst>
           </p:cNvPr>
@@ -2992,7 +2992,7 @@
             </a:lvl1pPr>
           </a:lstStyle>
           <a:p>
-            <a:fld id="{FAFD31E0-A9C3-426A-9BD7-630A1CE2F757}" type="slidenum">
+            <a:fld id="{570D8F78-D640-4985-ABC3-BED739CD499C}" type="slidenum">
               <a:rPr lang="zh-CN" altLang="en-US" smtClean="0"/>
               <a:t>‹#›</a:t>
             </a:fld>
@@ -3003,7 +3003,7 @@
     </p:spTree>
     <p:extLst>
       <p:ext uri="{BB962C8B-B14F-4D97-AF65-F5344CB8AC3E}">
-        <p14:creationId xmlns:p14="http://schemas.microsoft.com/office/powerpoint/2010/main" val="58069945"/>
+        <p14:creationId xmlns:p14="http://schemas.microsoft.com/office/powerpoint/2010/main" val="2534131711"/>
       </p:ext>
     </p:extLst>
   </p:cSld>
@@ -3323,7 +3323,7 @@
       </p:grpSpPr>
       <p:pic>
         <p:nvPicPr>
-          <p:cNvPr id="362498" name="Picture 2" descr="353"/>
+          <p:cNvPr id="363522" name="Picture 2" descr="354"/>
           <p:cNvPicPr>
             <a:picLocks noChangeAspect="1" noChangeArrowheads="1"/>
           </p:cNvPicPr>
